--- a/spring16/slidesS16/hall-proof.pptx
+++ b/spring16/slidesS16/hall-proof.pptx
@@ -3944,14 +3944,7 @@
                 <a:latin typeface="Comic Sans MS" pitchFamily="66" charset="0"/>
                 <a:ea typeface="宋体" pitchFamily="2" charset="-122"/>
               </a:rPr>
-              <a:t> </a:t>
-            </a:r>
-            <a:r>
-              <a:rPr lang="en-US" altLang="zh-CN" sz="1000" baseline="0" dirty="0" smtClean="0">
-                <a:latin typeface="Comic Sans MS" pitchFamily="66" charset="0"/>
-                <a:ea typeface="宋体" pitchFamily="2" charset="-122"/>
-              </a:rPr>
-              <a:t>4</a:t>
+              <a:t> 4</a:t>
             </a:r>
             <a:r>
               <a:rPr lang="en-US" altLang="zh-CN" sz="1000" dirty="0" smtClean="0">
@@ -4779,7 +4772,7 @@
           <a:graphicData uri="http://schemas.openxmlformats.org/presentationml/2006/ole">
             <mc:AlternateContent xmlns:mc="http://schemas.openxmlformats.org/markup-compatibility/2006">
               <mc:Choice xmlns:v="urn:schemas-microsoft-com:vml" Requires="v">
-                <p:oleObj spid="_x0000_s21529" name="Equation" r:id="rId4" imgW="914400" imgH="198720" progId="">
+                <p:oleObj spid="_x0000_s21534" name="Equation" r:id="rId4" imgW="914400" imgH="198720" progId="">
                   <p:embed/>
                 </p:oleObj>
               </mc:Choice>
@@ -4855,7 +4848,7 @@
           <a:graphicData uri="http://schemas.openxmlformats.org/presentationml/2006/ole">
             <mc:AlternateContent xmlns:mc="http://schemas.openxmlformats.org/markup-compatibility/2006">
               <mc:Choice xmlns:v="urn:schemas-microsoft-com:vml" Requires="v">
-                <p:oleObj spid="_x0000_s21530" name="Equation" r:id="rId6" imgW="914400" imgH="198720" progId="Equation.3">
+                <p:oleObj spid="_x0000_s21535" name="Equation" r:id="rId6" imgW="914400" imgH="198720" progId="Equation.3">
                   <p:embed/>
                 </p:oleObj>
               </mc:Choice>
@@ -6677,7 +6670,7 @@
           <a:graphicData uri="http://schemas.openxmlformats.org/presentationml/2006/ole">
             <mc:AlternateContent xmlns:mc="http://schemas.openxmlformats.org/markup-compatibility/2006">
               <mc:Choice xmlns:v="urn:schemas-microsoft-com:vml" Requires="v">
-                <p:oleObj spid="_x0000_s12338" name="Equation" r:id="rId4" imgW="1282700" imgH="254000" progId="Equation.DSMT4">
+                <p:oleObj spid="_x0000_s12341" name="Equation" r:id="rId4" imgW="1282700" imgH="254000" progId="Equation.DSMT4">
                   <p:embed/>
                 </p:oleObj>
               </mc:Choice>
@@ -8054,7 +8047,7 @@
           <a:graphicData uri="http://schemas.openxmlformats.org/presentationml/2006/ole">
             <mc:AlternateContent xmlns:mc="http://schemas.openxmlformats.org/markup-compatibility/2006">
               <mc:Choice xmlns:v="urn:schemas-microsoft-com:vml" Requires="v">
-                <p:oleObj spid="_x0000_s5315" name="Equation" r:id="rId4" imgW="114120" imgH="177480" progId="Equation.DSMT4">
+                <p:oleObj spid="_x0000_s5322" name="Equation" r:id="rId4" imgW="114120" imgH="177480" progId="Equation.DSMT4">
                   <p:embed/>
                 </p:oleObj>
               </mc:Choice>
@@ -8338,7 +8331,7 @@
           <a:graphicData uri="http://schemas.openxmlformats.org/presentationml/2006/ole">
             <mc:AlternateContent xmlns:mc="http://schemas.openxmlformats.org/markup-compatibility/2006">
               <mc:Choice xmlns:v="urn:schemas-microsoft-com:vml" Requires="v">
-                <p:oleObj spid="_x0000_s5316" name="Equation" r:id="rId6" imgW="139680" imgH="215640" progId="Equation.DSMT4">
+                <p:oleObj spid="_x0000_s5323" name="Equation" r:id="rId6" imgW="139680" imgH="215640" progId="Equation.DSMT4">
                   <p:embed/>
                 </p:oleObj>
               </mc:Choice>
@@ -8414,7 +8407,7 @@
           <a:graphicData uri="http://schemas.openxmlformats.org/presentationml/2006/ole">
             <mc:AlternateContent xmlns:mc="http://schemas.openxmlformats.org/markup-compatibility/2006">
               <mc:Choice xmlns:v="urn:schemas-microsoft-com:vml" Requires="v">
-                <p:oleObj spid="_x0000_s5317" name="Equation" r:id="rId8" imgW="355600" imgH="254000" progId="Equation.DSMT4">
+                <p:oleObj spid="_x0000_s5324" name="Equation" r:id="rId8" imgW="355600" imgH="254000" progId="Equation.DSMT4">
                   <p:embed/>
                 </p:oleObj>
               </mc:Choice>
@@ -8495,44 +8488,6 @@
           <a:lstStyle/>
           <a:p>
             <a:endParaRPr lang="en-US"/>
-          </a:p>
-        </p:txBody>
-      </p:sp>
-      <p:sp>
-        <p:nvSpPr>
-          <p:cNvPr id="82" name="TextBox 81"/>
-          <p:cNvSpPr txBox="1"/>
-          <p:nvPr/>
-        </p:nvSpPr>
-        <p:spPr>
-          <a:xfrm>
-            <a:off x="3617913" y="1335088"/>
-            <a:ext cx="1965325" cy="519112"/>
-          </a:xfrm>
-          <a:prstGeom prst="rect">
-            <a:avLst/>
-          </a:prstGeom>
-          <a:noFill/>
-        </p:spPr>
-        <p:txBody>
-          <a:bodyPr wrap="none">
-            <a:spAutoFit/>
-          </a:bodyPr>
-          <a:lstStyle/>
-          <a:p>
-            <a:pPr>
-              <a:buNone/>
-              <a:defRPr/>
-            </a:pPr>
-            <a:r>
-              <a:rPr lang="en-US" sz="2800" dirty="0">
-                <a:solidFill>
-                  <a:srgbClr val="FF0000"/>
-                </a:solidFill>
-                <a:latin typeface="+mj-lt"/>
-              </a:rPr>
-              <a:t>bottleneck</a:t>
-            </a:r>
           </a:p>
         </p:txBody>
       </p:sp>
@@ -8736,59 +8691,6 @@
                       </p:childTnLst>
                     </p:cTn>
                   </p:par>
-                  <p:par>
-                    <p:cTn id="13" fill="hold">
-                      <p:stCondLst>
-                        <p:cond delay="indefinite"/>
-                      </p:stCondLst>
-                      <p:childTnLst>
-                        <p:par>
-                          <p:cTn id="14" fill="hold">
-                            <p:stCondLst>
-                              <p:cond delay="0"/>
-                            </p:stCondLst>
-                            <p:childTnLst>
-                              <p:par>
-                                <p:cTn id="15" presetID="9" presetClass="entr" presetSubtype="0" fill="hold" grpId="0" nodeType="clickEffect">
-                                  <p:stCondLst>
-                                    <p:cond delay="0"/>
-                                  </p:stCondLst>
-                                  <p:childTnLst>
-                                    <p:set>
-                                      <p:cBhvr>
-                                        <p:cTn id="16" dur="1" fill="hold">
-                                          <p:stCondLst>
-                                            <p:cond delay="0"/>
-                                          </p:stCondLst>
-                                        </p:cTn>
-                                        <p:tgtEl>
-                                          <p:spTgt spid="82"/>
-                                        </p:tgtEl>
-                                        <p:attrNameLst>
-                                          <p:attrName>style.visibility</p:attrName>
-                                        </p:attrNameLst>
-                                      </p:cBhvr>
-                                      <p:to>
-                                        <p:strVal val="visible"/>
-                                      </p:to>
-                                    </p:set>
-                                    <p:animEffect transition="in" filter="dissolve">
-                                      <p:cBhvr>
-                                        <p:cTn id="17" dur="500"/>
-                                        <p:tgtEl>
-                                          <p:spTgt spid="82"/>
-                                        </p:tgtEl>
-                                      </p:cBhvr>
-                                    </p:animEffect>
-                                  </p:childTnLst>
-                                </p:cTn>
-                              </p:par>
-                            </p:childTnLst>
-                          </p:cTn>
-                        </p:par>
-                      </p:childTnLst>
-                    </p:cTn>
-                  </p:par>
                 </p:childTnLst>
               </p:cTn>
               <p:prevCondLst>
@@ -8810,9 +8712,6 @@
         </p:cTn>
       </p:par>
     </p:tnLst>
-    <p:bldLst>
-      <p:bldP spid="82" grpId="0"/>
-    </p:bldLst>
   </p:timing>
 </p:sld>
 </file>
@@ -9687,7 +9586,7 @@
           <a:graphicData uri="http://schemas.openxmlformats.org/presentationml/2006/ole">
             <mc:AlternateContent xmlns:mc="http://schemas.openxmlformats.org/markup-compatibility/2006">
               <mc:Choice xmlns:v="urn:schemas-microsoft-com:vml" Requires="v">
-                <p:oleObj spid="_x0000_s50182" name="Equation" r:id="rId4" imgW="114120" imgH="177480" progId="Equation.DSMT4">
+                <p:oleObj spid="_x0000_s50193" name="Equation" r:id="rId4" imgW="114120" imgH="177480" progId="Equation.DSMT4">
                   <p:embed/>
                 </p:oleObj>
               </mc:Choice>
@@ -9773,7 +9672,7 @@
             <a:graphicData uri="http://schemas.openxmlformats.org/presentationml/2006/ole">
               <mc:AlternateContent xmlns:mc="http://schemas.openxmlformats.org/markup-compatibility/2006">
                 <mc:Choice xmlns:v="urn:schemas-microsoft-com:vml" Requires="v">
-                  <p:oleObj spid="_x0000_s50183" name="Equation" r:id="rId6" imgW="139680" imgH="215640" progId="Equation.DSMT4">
+                  <p:oleObj spid="_x0000_s50194" name="Equation" r:id="rId6" imgW="139680" imgH="215640" progId="Equation.DSMT4">
                     <p:embed/>
                   </p:oleObj>
                 </mc:Choice>
@@ -9903,7 +9802,7 @@
             <a:graphicData uri="http://schemas.openxmlformats.org/presentationml/2006/ole">
               <mc:AlternateContent xmlns:mc="http://schemas.openxmlformats.org/markup-compatibility/2006">
                 <mc:Choice xmlns:v="urn:schemas-microsoft-com:vml" Requires="v">
-                  <p:oleObj spid="_x0000_s50184" name="Equation" r:id="rId8" imgW="355600" imgH="254000" progId="Equation.DSMT4">
+                  <p:oleObj spid="_x0000_s50195" name="Equation" r:id="rId8" imgW="355600" imgH="254000" progId="Equation.DSMT4">
                     <p:embed/>
                   </p:oleObj>
                 </mc:Choice>
@@ -10219,7 +10118,7 @@
           <a:graphicData uri="http://schemas.openxmlformats.org/presentationml/2006/ole">
             <mc:AlternateContent xmlns:mc="http://schemas.openxmlformats.org/markup-compatibility/2006">
               <mc:Choice xmlns:v="urn:schemas-microsoft-com:vml" Requires="v">
-                <p:oleObj spid="_x0000_s50185" name="Equation" r:id="rId10" imgW="139680" imgH="215640" progId="Equation.DSMT4">
+                <p:oleObj spid="_x0000_s50196" name="Equation" r:id="rId10" imgW="139680" imgH="215640" progId="Equation.DSMT4">
                   <p:embed/>
                 </p:oleObj>
               </mc:Choice>
@@ -10295,7 +10194,7 @@
           <a:graphicData uri="http://schemas.openxmlformats.org/presentationml/2006/ole">
             <mc:AlternateContent xmlns:mc="http://schemas.openxmlformats.org/markup-compatibility/2006">
               <mc:Choice xmlns:v="urn:schemas-microsoft-com:vml" Requires="v">
-                <p:oleObj spid="_x0000_s50186" name="Equation" r:id="rId11" imgW="355600" imgH="254000" progId="Equation.DSMT4">
+                <p:oleObj spid="_x0000_s50197" name="Equation" r:id="rId11" imgW="355600" imgH="254000" progId="Equation.DSMT4">
                   <p:embed/>
                 </p:oleObj>
               </mc:Choice>
@@ -10376,44 +10275,6 @@
           <a:lstStyle/>
           <a:p>
             <a:endParaRPr lang="en-US"/>
-          </a:p>
-        </p:txBody>
-      </p:sp>
-      <p:sp>
-        <p:nvSpPr>
-          <p:cNvPr id="82" name="TextBox 81"/>
-          <p:cNvSpPr txBox="1"/>
-          <p:nvPr/>
-        </p:nvSpPr>
-        <p:spPr>
-          <a:xfrm>
-            <a:off x="3617913" y="1335088"/>
-            <a:ext cx="1965325" cy="519112"/>
-          </a:xfrm>
-          <a:prstGeom prst="rect">
-            <a:avLst/>
-          </a:prstGeom>
-          <a:noFill/>
-        </p:spPr>
-        <p:txBody>
-          <a:bodyPr wrap="none">
-            <a:spAutoFit/>
-          </a:bodyPr>
-          <a:lstStyle/>
-          <a:p>
-            <a:pPr>
-              <a:buNone/>
-              <a:defRPr/>
-            </a:pPr>
-            <a:r>
-              <a:rPr lang="en-US" sz="2800" dirty="0">
-                <a:solidFill>
-                  <a:srgbClr val="FF0000"/>
-                </a:solidFill>
-                <a:latin typeface="+mj-lt"/>
-              </a:rPr>
-              <a:t>bottleneck</a:t>
-            </a:r>
           </a:p>
         </p:txBody>
       </p:sp>
@@ -10723,59 +10584,6 @@
                       </p:childTnLst>
                     </p:cTn>
                   </p:par>
-                  <p:par>
-                    <p:cTn id="23" fill="hold">
-                      <p:stCondLst>
-                        <p:cond delay="indefinite"/>
-                      </p:stCondLst>
-                      <p:childTnLst>
-                        <p:par>
-                          <p:cTn id="24" fill="hold">
-                            <p:stCondLst>
-                              <p:cond delay="0"/>
-                            </p:stCondLst>
-                            <p:childTnLst>
-                              <p:par>
-                                <p:cTn id="25" presetID="9" presetClass="entr" presetSubtype="0" fill="hold" grpId="0" nodeType="clickEffect">
-                                  <p:stCondLst>
-                                    <p:cond delay="0"/>
-                                  </p:stCondLst>
-                                  <p:childTnLst>
-                                    <p:set>
-                                      <p:cBhvr>
-                                        <p:cTn id="26" dur="1" fill="hold">
-                                          <p:stCondLst>
-                                            <p:cond delay="0"/>
-                                          </p:stCondLst>
-                                        </p:cTn>
-                                        <p:tgtEl>
-                                          <p:spTgt spid="82"/>
-                                        </p:tgtEl>
-                                        <p:attrNameLst>
-                                          <p:attrName>style.visibility</p:attrName>
-                                        </p:attrNameLst>
-                                      </p:cBhvr>
-                                      <p:to>
-                                        <p:strVal val="visible"/>
-                                      </p:to>
-                                    </p:set>
-                                    <p:animEffect transition="in" filter="dissolve">
-                                      <p:cBhvr>
-                                        <p:cTn id="27" dur="500"/>
-                                        <p:tgtEl>
-                                          <p:spTgt spid="82"/>
-                                        </p:tgtEl>
-                                      </p:cBhvr>
-                                    </p:animEffect>
-                                  </p:childTnLst>
-                                </p:cTn>
-                              </p:par>
-                            </p:childTnLst>
-                          </p:cTn>
-                        </p:par>
-                      </p:childTnLst>
-                    </p:cTn>
-                  </p:par>
                 </p:childTnLst>
               </p:cTn>
               <p:prevCondLst>
@@ -10797,9 +10605,6 @@
         </p:cTn>
       </p:par>
     </p:tnLst>
-    <p:bldLst>
-      <p:bldP spid="82" grpId="0"/>
-    </p:bldLst>
   </p:timing>
 </p:sld>
 </file>
@@ -11864,7 +11669,7 @@
           <a:graphicData uri="http://schemas.openxmlformats.org/presentationml/2006/ole">
             <mc:AlternateContent xmlns:mc="http://schemas.openxmlformats.org/markup-compatibility/2006">
               <mc:Choice xmlns:v="urn:schemas-microsoft-com:vml" Requires="v">
-                <p:oleObj spid="_x0000_s51206" name="Equation" r:id="rId4" imgW="114120" imgH="177480" progId="Equation.DSMT4">
+                <p:oleObj spid="_x0000_s51217" name="Equation" r:id="rId4" imgW="114120" imgH="177480" progId="Equation.DSMT4">
                   <p:embed/>
                 </p:oleObj>
               </mc:Choice>
@@ -12202,7 +12007,7 @@
             <a:graphicData uri="http://schemas.openxmlformats.org/presentationml/2006/ole">
               <mc:AlternateContent xmlns:mc="http://schemas.openxmlformats.org/markup-compatibility/2006">
                 <mc:Choice xmlns:v="urn:schemas-microsoft-com:vml" Requires="v">
-                  <p:oleObj spid="_x0000_s51207" name="Equation" r:id="rId6" imgW="139680" imgH="215640" progId="Equation.DSMT4">
+                  <p:oleObj spid="_x0000_s51218" name="Equation" r:id="rId6" imgW="139680" imgH="215640" progId="Equation.DSMT4">
                     <p:embed/>
                   </p:oleObj>
                 </mc:Choice>
@@ -12332,7 +12137,7 @@
             <a:graphicData uri="http://schemas.openxmlformats.org/presentationml/2006/ole">
               <mc:AlternateContent xmlns:mc="http://schemas.openxmlformats.org/markup-compatibility/2006">
                 <mc:Choice xmlns:v="urn:schemas-microsoft-com:vml" Requires="v">
-                  <p:oleObj spid="_x0000_s51208" name="Equation" r:id="rId8" imgW="355600" imgH="254000" progId="Equation.DSMT4">
+                  <p:oleObj spid="_x0000_s51219" name="Equation" r:id="rId8" imgW="355600" imgH="254000" progId="Equation.DSMT4">
                     <p:embed/>
                   </p:oleObj>
                 </mc:Choice>
@@ -12648,7 +12453,7 @@
           <a:graphicData uri="http://schemas.openxmlformats.org/presentationml/2006/ole">
             <mc:AlternateContent xmlns:mc="http://schemas.openxmlformats.org/markup-compatibility/2006">
               <mc:Choice xmlns:v="urn:schemas-microsoft-com:vml" Requires="v">
-                <p:oleObj spid="_x0000_s51209" name="Equation" r:id="rId10" imgW="139680" imgH="215640" progId="Equation.DSMT4">
+                <p:oleObj spid="_x0000_s51220" name="Equation" r:id="rId10" imgW="139680" imgH="215640" progId="Equation.DSMT4">
                   <p:embed/>
                 </p:oleObj>
               </mc:Choice>
@@ -12724,7 +12529,7 @@
           <a:graphicData uri="http://schemas.openxmlformats.org/presentationml/2006/ole">
             <mc:AlternateContent xmlns:mc="http://schemas.openxmlformats.org/markup-compatibility/2006">
               <mc:Choice xmlns:v="urn:schemas-microsoft-com:vml" Requires="v">
-                <p:oleObj spid="_x0000_s51210" name="Equation" r:id="rId11" imgW="355600" imgH="254000" progId="Equation.DSMT4">
+                <p:oleObj spid="_x0000_s51221" name="Equation" r:id="rId11" imgW="355600" imgH="254000" progId="Equation.DSMT4">
                   <p:embed/>
                 </p:oleObj>
               </mc:Choice>
@@ -14400,7 +14205,7 @@
           <a:graphicData uri="http://schemas.openxmlformats.org/presentationml/2006/ole">
             <mc:AlternateContent xmlns:mc="http://schemas.openxmlformats.org/markup-compatibility/2006">
               <mc:Choice xmlns:v="urn:schemas-microsoft-com:vml" Requires="v">
-                <p:oleObj spid="_x0000_s52230" name="Equation" r:id="rId4" imgW="114120" imgH="177480" progId="Equation.DSMT4">
+                <p:oleObj spid="_x0000_s52241" name="Equation" r:id="rId4" imgW="114120" imgH="177480" progId="Equation.DSMT4">
                   <p:embed/>
                 </p:oleObj>
               </mc:Choice>
@@ -14930,7 +14735,7 @@
             <a:graphicData uri="http://schemas.openxmlformats.org/presentationml/2006/ole">
               <mc:AlternateContent xmlns:mc="http://schemas.openxmlformats.org/markup-compatibility/2006">
                 <mc:Choice xmlns:v="urn:schemas-microsoft-com:vml" Requires="v">
-                  <p:oleObj spid="_x0000_s52231" name="Equation" r:id="rId6" imgW="139680" imgH="215640" progId="Equation.DSMT4">
+                  <p:oleObj spid="_x0000_s52242" name="Equation" r:id="rId6" imgW="139680" imgH="215640" progId="Equation.DSMT4">
                     <p:embed/>
                   </p:oleObj>
                 </mc:Choice>
@@ -15060,7 +14865,7 @@
             <a:graphicData uri="http://schemas.openxmlformats.org/presentationml/2006/ole">
               <mc:AlternateContent xmlns:mc="http://schemas.openxmlformats.org/markup-compatibility/2006">
                 <mc:Choice xmlns:v="urn:schemas-microsoft-com:vml" Requires="v">
-                  <p:oleObj spid="_x0000_s52232" name="Equation" r:id="rId8" imgW="355600" imgH="254000" progId="Equation.DSMT4">
+                  <p:oleObj spid="_x0000_s52243" name="Equation" r:id="rId8" imgW="355600" imgH="254000" progId="Equation.DSMT4">
                     <p:embed/>
                   </p:oleObj>
                 </mc:Choice>
@@ -15376,7 +15181,7 @@
           <a:graphicData uri="http://schemas.openxmlformats.org/presentationml/2006/ole">
             <mc:AlternateContent xmlns:mc="http://schemas.openxmlformats.org/markup-compatibility/2006">
               <mc:Choice xmlns:v="urn:schemas-microsoft-com:vml" Requires="v">
-                <p:oleObj spid="_x0000_s52233" name="Equation" r:id="rId10" imgW="139680" imgH="215640" progId="Equation.DSMT4">
+                <p:oleObj spid="_x0000_s52244" name="Equation" r:id="rId10" imgW="139680" imgH="215640" progId="Equation.DSMT4">
                   <p:embed/>
                 </p:oleObj>
               </mc:Choice>
@@ -15452,7 +15257,7 @@
           <a:graphicData uri="http://schemas.openxmlformats.org/presentationml/2006/ole">
             <mc:AlternateContent xmlns:mc="http://schemas.openxmlformats.org/markup-compatibility/2006">
               <mc:Choice xmlns:v="urn:schemas-microsoft-com:vml" Requires="v">
-                <p:oleObj spid="_x0000_s52234" name="Equation" r:id="rId11" imgW="355600" imgH="254000" progId="Equation.DSMT4">
+                <p:oleObj spid="_x0000_s52245" name="Equation" r:id="rId11" imgW="355600" imgH="254000" progId="Equation.DSMT4">
                   <p:embed/>
                 </p:oleObj>
               </mc:Choice>
@@ -16832,7 +16637,7 @@
           <a:graphicData uri="http://schemas.openxmlformats.org/presentationml/2006/ole">
             <mc:AlternateContent xmlns:mc="http://schemas.openxmlformats.org/markup-compatibility/2006">
               <mc:Choice xmlns:v="urn:schemas-microsoft-com:vml" Requires="v">
-                <p:oleObj spid="_x0000_s6192" name="Equation" r:id="rId4" imgW="622300" imgH="330200" progId="Equation.DSMT4">
+                <p:oleObj spid="_x0000_s6195" name="Equation" r:id="rId4" imgW="622300" imgH="330200" progId="Equation.DSMT4">
                   <p:embed/>
                 </p:oleObj>
               </mc:Choice>
@@ -17343,7 +17148,7 @@
           <a:graphicData uri="http://schemas.openxmlformats.org/presentationml/2006/ole">
             <mc:AlternateContent xmlns:mc="http://schemas.openxmlformats.org/markup-compatibility/2006">
               <mc:Choice xmlns:v="urn:schemas-microsoft-com:vml" Requires="v">
-                <p:oleObj spid="_x0000_s16412" name="Equation" r:id="rId4" imgW="622300" imgH="330200" progId="Equation.DSMT4">
+                <p:oleObj spid="_x0000_s16415" name="Equation" r:id="rId4" imgW="622300" imgH="330200" progId="Equation.DSMT4">
                   <p:embed/>
                 </p:oleObj>
               </mc:Choice>
@@ -19043,7 +18848,7 @@
           <a:graphicData uri="http://schemas.openxmlformats.org/presentationml/2006/ole">
             <mc:AlternateContent xmlns:mc="http://schemas.openxmlformats.org/markup-compatibility/2006">
               <mc:Choice xmlns:v="urn:schemas-microsoft-com:vml" Requires="v">
-                <p:oleObj spid="_x0000_s29705" name="Equation" r:id="rId4" imgW="622300" imgH="330200" progId="Equation.DSMT4">
+                <p:oleObj spid="_x0000_s29708" name="Equation" r:id="rId4" imgW="622300" imgH="330200" progId="Equation.DSMT4">
                   <p:embed/>
                 </p:oleObj>
               </mc:Choice>
@@ -22120,7 +21925,7 @@
           <a:graphicData uri="http://schemas.openxmlformats.org/presentationml/2006/ole">
             <mc:AlternateContent xmlns:mc="http://schemas.openxmlformats.org/markup-compatibility/2006">
               <mc:Choice xmlns:v="urn:schemas-microsoft-com:vml" Requires="v">
-                <p:oleObj spid="_x0000_s39943" name="Equation" r:id="rId4" imgW="1079500" imgH="228600" progId="Equation.DSMT4">
+                <p:oleObj spid="_x0000_s39946" name="Equation" r:id="rId4" imgW="1079500" imgH="228600" progId="Equation.DSMT4">
                   <p:embed/>
                 </p:oleObj>
               </mc:Choice>
@@ -22580,7 +22385,7 @@
           <a:graphicData uri="http://schemas.openxmlformats.org/presentationml/2006/ole">
             <mc:AlternateContent xmlns:mc="http://schemas.openxmlformats.org/markup-compatibility/2006">
               <mc:Choice xmlns:v="urn:schemas-microsoft-com:vml" Requires="v">
-                <p:oleObj spid="_x0000_s40967" name="Equation" r:id="rId4" imgW="1244600" imgH="228600" progId="Equation.DSMT4">
+                <p:oleObj spid="_x0000_s40970" name="Equation" r:id="rId4" imgW="1244600" imgH="228600" progId="Equation.DSMT4">
                   <p:embed/>
                 </p:oleObj>
               </mc:Choice>
@@ -22978,7 +22783,7 @@
           <a:graphicData uri="http://schemas.openxmlformats.org/presentationml/2006/ole">
             <mc:AlternateContent xmlns:mc="http://schemas.openxmlformats.org/markup-compatibility/2006">
               <mc:Choice xmlns:v="urn:schemas-microsoft-com:vml" Requires="v">
-                <p:oleObj spid="_x0000_s30730" name="Equation" r:id="rId4" imgW="635000" imgH="215900" progId="Equation.DSMT4">
+                <p:oleObj spid="_x0000_s30733" name="Equation" r:id="rId4" imgW="635000" imgH="215900" progId="Equation.DSMT4">
                   <p:embed/>
                 </p:oleObj>
               </mc:Choice>
@@ -23518,7 +23323,7 @@
           <a:graphicData uri="http://schemas.openxmlformats.org/presentationml/2006/ole">
             <mc:AlternateContent xmlns:mc="http://schemas.openxmlformats.org/markup-compatibility/2006">
               <mc:Choice xmlns:v="urn:schemas-microsoft-com:vml" Requires="v">
-                <p:oleObj spid="_x0000_s1130" name="Equation" r:id="rId4" imgW="914400" imgH="198720" progId="">
+                <p:oleObj spid="_x0000_s1135" name="Equation" r:id="rId4" imgW="914400" imgH="198720" progId="">
                   <p:embed/>
                 </p:oleObj>
               </mc:Choice>
@@ -23594,7 +23399,7 @@
           <a:graphicData uri="http://schemas.openxmlformats.org/presentationml/2006/ole">
             <mc:AlternateContent xmlns:mc="http://schemas.openxmlformats.org/markup-compatibility/2006">
               <mc:Choice xmlns:v="urn:schemas-microsoft-com:vml" Requires="v">
-                <p:oleObj spid="_x0000_s1131" name="Equation" r:id="rId6" imgW="914400" imgH="198720" progId="Equation.3">
+                <p:oleObj spid="_x0000_s1136" name="Equation" r:id="rId6" imgW="914400" imgH="198720" progId="Equation.3">
                   <p:embed/>
                 </p:oleObj>
               </mc:Choice>
@@ -24237,7 +24042,7 @@
           <a:graphicData uri="http://schemas.openxmlformats.org/presentationml/2006/ole">
             <mc:AlternateContent xmlns:mc="http://schemas.openxmlformats.org/markup-compatibility/2006">
               <mc:Choice xmlns:v="urn:schemas-microsoft-com:vml" Requires="v">
-                <p:oleObj spid="_x0000_s2166" name="Equation" r:id="rId4" imgW="914400" imgH="198720" progId="">
+                <p:oleObj spid="_x0000_s2171" name="Equation" r:id="rId4" imgW="914400" imgH="198720" progId="">
                   <p:embed/>
                 </p:oleObj>
               </mc:Choice>
@@ -24313,7 +24118,7 @@
           <a:graphicData uri="http://schemas.openxmlformats.org/presentationml/2006/ole">
             <mc:AlternateContent xmlns:mc="http://schemas.openxmlformats.org/markup-compatibility/2006">
               <mc:Choice xmlns:v="urn:schemas-microsoft-com:vml" Requires="v">
-                <p:oleObj spid="_x0000_s2167" name="Equation" r:id="rId6" imgW="914400" imgH="198720" progId="Equation.3">
+                <p:oleObj spid="_x0000_s2172" name="Equation" r:id="rId6" imgW="914400" imgH="198720" progId="Equation.3">
                   <p:embed/>
                 </p:oleObj>
               </mc:Choice>
@@ -24988,7 +24793,7 @@
           <a:graphicData uri="http://schemas.openxmlformats.org/presentationml/2006/ole">
             <mc:AlternateContent xmlns:mc="http://schemas.openxmlformats.org/markup-compatibility/2006">
               <mc:Choice xmlns:v="urn:schemas-microsoft-com:vml" Requires="v">
-                <p:oleObj spid="_x0000_s11352" name="Equation" r:id="rId4" imgW="914400" imgH="198720" progId="">
+                <p:oleObj spid="_x0000_s11357" name="Equation" r:id="rId4" imgW="914400" imgH="198720" progId="">
                   <p:embed/>
                 </p:oleObj>
               </mc:Choice>
@@ -25064,7 +24869,7 @@
           <a:graphicData uri="http://schemas.openxmlformats.org/presentationml/2006/ole">
             <mc:AlternateContent xmlns:mc="http://schemas.openxmlformats.org/markup-compatibility/2006">
               <mc:Choice xmlns:v="urn:schemas-microsoft-com:vml" Requires="v">
-                <p:oleObj spid="_x0000_s11353" name="Equation" r:id="rId6" imgW="914400" imgH="198720" progId="Equation.3">
+                <p:oleObj spid="_x0000_s11358" name="Equation" r:id="rId6" imgW="914400" imgH="198720" progId="Equation.3">
                   <p:embed/>
                 </p:oleObj>
               </mc:Choice>
